--- a/setup/OpenContrailCI.pptx
+++ b/setup/OpenContrailCI.pptx
@@ -3155,20 +3155,12 @@
             <a:pPr algn="r"/>
             <a:r>
               <a:rPr lang="en-US" dirty="0" smtClean="0"/>
-              <a:t>CI-Team</a:t>
-            </a:r>
-          </a:p>
-          <a:p>
-            <a:pPr algn="r"/>
-            <a:r>
-              <a:rPr lang="en-US" dirty="0" err="1"/>
-              <a:t>c</a:t>
-            </a:r>
-            <a:r>
-              <a:rPr lang="en-US" dirty="0" err="1" smtClean="0"/>
-              <a:t>i-admin@opencontrail.org</a:t>
-            </a:r>
-            <a:endParaRPr lang="en-US" dirty="0" smtClean="0"/>
+              <a:t>ci</a:t>
+            </a:r>
+            <a:r>
+              <a:rPr lang="en-US" dirty="0" smtClean="0"/>
+              <a:t>-admin@opencontrail.org</a:t>
+            </a:r>
           </a:p>
           <a:p>
             <a:pPr algn="r"/>
@@ -3307,7 +3299,27 @@
           <a:p>
             <a:r>
               <a:rPr lang="en-US" dirty="0" smtClean="0"/>
-              <a:t>Apologies for all perceived CI bottlenecks and Thank You very much for your kind co-operation!</a:t>
+              <a:t>Sincere a</a:t>
+            </a:r>
+            <a:r>
+              <a:rPr lang="en-US" dirty="0" smtClean="0"/>
+              <a:t>pologies </a:t>
+            </a:r>
+            <a:r>
+              <a:rPr lang="en-US" dirty="0" smtClean="0"/>
+              <a:t>for all perceived CI bottlenecks and </a:t>
+            </a:r>
+            <a:r>
+              <a:rPr lang="en-US" dirty="0" smtClean="0"/>
+              <a:t>many t</a:t>
+            </a:r>
+            <a:r>
+              <a:rPr lang="en-US" dirty="0" smtClean="0"/>
+              <a:t>hanks for </a:t>
+            </a:r>
+            <a:r>
+              <a:rPr lang="en-US" dirty="0" smtClean="0"/>
+              <a:t>your kind co-operation!</a:t>
             </a:r>
             <a:br>
               <a:rPr lang="en-US" dirty="0" smtClean="0"/>
@@ -3317,12 +3329,8 @@
               <a:t>	</a:t>
             </a:r>
             <a:r>
-              <a:rPr lang="en-US" dirty="0" smtClean="0"/>
-              <a:t>-- </a:t>
-            </a:r>
-            <a:r>
               <a:rPr lang="en-US" sz="3100" dirty="0" smtClean="0"/>
-              <a:t>CI Team</a:t>
+              <a:t>ci-admin@opencontrail.org</a:t>
             </a:r>
             <a:endParaRPr lang="en-US" dirty="0"/>
           </a:p>
@@ -3640,15 +3648,7 @@
             </a:r>
             <a:r>
               <a:rPr lang="en-US" dirty="0" smtClean="0"/>
-              <a:t> and </a:t>
-            </a:r>
-            <a:r>
-              <a:rPr lang="en-US" dirty="0" err="1" smtClean="0"/>
-              <a:t>jenkins</a:t>
-            </a:r>
-            <a:r>
-              <a:rPr lang="en-US" dirty="0" smtClean="0"/>
-              <a:t> are the 3 major components</a:t>
+              <a:t> and jenkins are the 3 major components</a:t>
             </a:r>
           </a:p>
           <a:p>
@@ -3761,18 +3761,19 @@
           <a:p>
             <a:pPr lvl="1"/>
             <a:r>
-              <a:rPr lang="en-US" dirty="0" err="1" smtClean="0"/>
-              <a:t>Review.opencontrail.org</a:t>
-            </a:r>
-            <a:r>
-              <a:rPr lang="en-US" dirty="0" smtClean="0"/>
-              <a:t> </a:t>
-            </a:r>
+              <a:rPr lang="en-US" dirty="0"/>
+              <a:t>r</a:t>
+            </a:r>
+            <a:r>
+              <a:rPr lang="en-US" dirty="0" smtClean="0"/>
+              <a:t>eview.opencontrail.org </a:t>
+            </a:r>
+            <a:endParaRPr lang="en-US" dirty="0" smtClean="0"/>
           </a:p>
           <a:p>
             <a:pPr lvl="1"/>
             <a:r>
-              <a:rPr lang="en-US" dirty="0" err="1" smtClean="0"/>
+              <a:rPr lang="en-US" dirty="0" smtClean="0"/>
               <a:t>zuul.opencontrail.org</a:t>
             </a:r>
             <a:endParaRPr lang="en-US" dirty="0"/>
@@ -3780,12 +3781,8 @@
           <a:p>
             <a:pPr lvl="1"/>
             <a:r>
-              <a:rPr lang="en-US" dirty="0" err="1" smtClean="0"/>
-              <a:t>jenkins.opencontrail.org</a:t>
-            </a:r>
-            <a:r>
-              <a:rPr lang="en-US" dirty="0" smtClean="0"/>
-              <a:t> (master)</a:t>
+              <a:rPr lang="en-US" dirty="0" smtClean="0"/>
+              <a:t>jenkins.opencontrail.org (master)</a:t>
             </a:r>
           </a:p>
           <a:p>
@@ -3898,15 +3895,7 @@
           <a:p>
             <a:r>
               <a:rPr lang="en-US" dirty="0" smtClean="0"/>
-              <a:t>Hosts </a:t>
-            </a:r>
-            <a:r>
-              <a:rPr lang="en-US" dirty="0" err="1" smtClean="0"/>
-              <a:t>jenkins</a:t>
-            </a:r>
-            <a:r>
-              <a:rPr lang="en-US" dirty="0" smtClean="0"/>
-              <a:t> slaves</a:t>
+              <a:t>Hosts jenkins slaves</a:t>
             </a:r>
           </a:p>
           <a:p>
@@ -4481,9 +4470,6 @@
               </a:rPr>
               <a:t>FAQ</a:t>
             </a:r>
-            <a:endParaRPr lang="en-US" dirty="0" smtClean="0">
-              <a:hlinkClick r:id="rId2"/>
-            </a:endParaRPr>
           </a:p>
           <a:p>
             <a:r>
@@ -4515,12 +4501,15 @@
               <a:rPr lang="en-US" dirty="0" smtClean="0">
                 <a:hlinkClick r:id="rId4"/>
               </a:rPr>
-              <a:t>OpenStack UI</a:t>
-            </a:r>
-            <a:r>
-              <a:rPr lang="en-US" dirty="0" smtClean="0"/>
-              <a:t> admin/jun1per123</a:t>
-            </a:r>
+              <a:t>OpenStack </a:t>
+            </a:r>
+            <a:r>
+              <a:rPr lang="en-US" dirty="0" smtClean="0">
+                <a:hlinkClick r:id="rId4"/>
+              </a:rPr>
+              <a:t>UI</a:t>
+            </a:r>
+            <a:endParaRPr lang="en-US" dirty="0" smtClean="0"/>
           </a:p>
           <a:p>
             <a:pPr lvl="1"/>
@@ -4528,12 +4517,15 @@
               <a:rPr lang="en-US" dirty="0" smtClean="0">
                 <a:hlinkClick r:id="rId5"/>
               </a:rPr>
-              <a:t>Contrail UI</a:t>
-            </a:r>
-            <a:r>
-              <a:rPr lang="en-US" dirty="0" smtClean="0"/>
-              <a:t> admin/c0ntrail123</a:t>
-            </a:r>
+              <a:t>Contrail </a:t>
+            </a:r>
+            <a:r>
+              <a:rPr lang="en-US" dirty="0" smtClean="0">
+                <a:hlinkClick r:id="rId5"/>
+              </a:rPr>
+              <a:t>UI</a:t>
+            </a:r>
+            <a:endParaRPr lang="en-US" dirty="0" smtClean="0"/>
           </a:p>
           <a:p>
             <a:pPr lvl="1"/>
@@ -4541,12 +4533,15 @@
               <a:rPr lang="en-US" dirty="0" smtClean="0">
                 <a:hlinkClick r:id="rId6"/>
               </a:rPr>
-              <a:t>Cluster Details</a:t>
-            </a:r>
-            <a:r>
-              <a:rPr lang="en-US" dirty="0" smtClean="0"/>
-              <a:t> root/c0ntrail13</a:t>
-            </a:r>
+              <a:t>Cluster </a:t>
+            </a:r>
+            <a:r>
+              <a:rPr lang="en-US" dirty="0" smtClean="0">
+                <a:hlinkClick r:id="rId6"/>
+              </a:rPr>
+              <a:t>Details</a:t>
+            </a:r>
+            <a:endParaRPr lang="en-US" dirty="0" smtClean="0"/>
           </a:p>
           <a:p>
             <a:endParaRPr lang="en-US" dirty="0"/>
